--- a/CallCentre Analysis.pptx
+++ b/CallCentre Analysis.pptx
@@ -262,7 +262,7 @@
             <a:fld id="{B61BEF0D-F0BB-DE4B-95CE-6DB70DBA9567}" type="datetimeFigureOut">
               <a:rPr lang="en-US" smtClean="0"/>
               <a:pPr/>
-              <a:t>6/6/2024</a:t>
+              <a:t>12/18/2025</a:t>
             </a:fld>
             <a:endParaRPr lang="en-US" dirty="0"/>
           </a:p>
@@ -550,7 +550,7 @@
             <a:fld id="{B61BEF0D-F0BB-DE4B-95CE-6DB70DBA9567}" type="datetimeFigureOut">
               <a:rPr lang="en-US" smtClean="0"/>
               <a:pPr/>
-              <a:t>6/6/2024</a:t>
+              <a:t>12/18/2025</a:t>
             </a:fld>
             <a:endParaRPr lang="en-US" dirty="0"/>
           </a:p>
@@ -744,7 +744,7 @@
             <a:fld id="{B61BEF0D-F0BB-DE4B-95CE-6DB70DBA9567}" type="datetimeFigureOut">
               <a:rPr lang="en-US" smtClean="0"/>
               <a:pPr/>
-              <a:t>6/6/2024</a:t>
+              <a:t>12/18/2025</a:t>
             </a:fld>
             <a:endParaRPr lang="en-US" dirty="0"/>
           </a:p>
@@ -1007,7 +1007,7 @@
             <a:fld id="{B61BEF0D-F0BB-DE4B-95CE-6DB70DBA9567}" type="datetimeFigureOut">
               <a:rPr lang="en-US" smtClean="0"/>
               <a:pPr/>
-              <a:t>6/6/2024</a:t>
+              <a:t>12/18/2025</a:t>
             </a:fld>
             <a:endParaRPr lang="en-US" dirty="0"/>
           </a:p>
@@ -1433,7 +1433,7 @@
             <a:fld id="{B61BEF0D-F0BB-DE4B-95CE-6DB70DBA9567}" type="datetimeFigureOut">
               <a:rPr lang="en-US" smtClean="0"/>
               <a:pPr/>
-              <a:t>6/6/2024</a:t>
+              <a:t>12/18/2025</a:t>
             </a:fld>
             <a:endParaRPr lang="en-US" dirty="0"/>
           </a:p>
@@ -1981,7 +1981,7 @@
             <a:fld id="{B61BEF0D-F0BB-DE4B-95CE-6DB70DBA9567}" type="datetimeFigureOut">
               <a:rPr lang="en-US" smtClean="0"/>
               <a:pPr/>
-              <a:t>6/6/2024</a:t>
+              <a:t>12/18/2025</a:t>
             </a:fld>
             <a:endParaRPr lang="en-US" dirty="0"/>
           </a:p>
@@ -2820,7 +2820,7 @@
             <a:fld id="{B61BEF0D-F0BB-DE4B-95CE-6DB70DBA9567}" type="datetimeFigureOut">
               <a:rPr lang="en-US" smtClean="0"/>
               <a:pPr/>
-              <a:t>6/6/2024</a:t>
+              <a:t>12/18/2025</a:t>
             </a:fld>
             <a:endParaRPr lang="en-US" dirty="0"/>
           </a:p>
@@ -2992,7 +2992,7 @@
             <a:fld id="{B61BEF0D-F0BB-DE4B-95CE-6DB70DBA9567}" type="datetimeFigureOut">
               <a:rPr lang="en-US" smtClean="0"/>
               <a:pPr/>
-              <a:t>6/6/2024</a:t>
+              <a:t>12/18/2025</a:t>
             </a:fld>
             <a:endParaRPr lang="en-US" dirty="0"/>
           </a:p>
@@ -3178,7 +3178,7 @@
             <a:fld id="{B61BEF0D-F0BB-DE4B-95CE-6DB70DBA9567}" type="datetimeFigureOut">
               <a:rPr lang="en-US" smtClean="0"/>
               <a:pPr/>
-              <a:t>6/6/2024</a:t>
+              <a:t>12/18/2025</a:t>
             </a:fld>
             <a:endParaRPr lang="en-US" dirty="0"/>
           </a:p>
@@ -3350,7 +3350,7 @@
             <a:fld id="{B61BEF0D-F0BB-DE4B-95CE-6DB70DBA9567}" type="datetimeFigureOut">
               <a:rPr lang="en-US" smtClean="0"/>
               <a:pPr/>
-              <a:t>6/6/2024</a:t>
+              <a:t>12/18/2025</a:t>
             </a:fld>
             <a:endParaRPr lang="en-US" dirty="0"/>
           </a:p>
@@ -3600,7 +3600,7 @@
             <a:fld id="{B61BEF0D-F0BB-DE4B-95CE-6DB70DBA9567}" type="datetimeFigureOut">
               <a:rPr lang="en-US" smtClean="0"/>
               <a:pPr/>
-              <a:t>6/6/2024</a:t>
+              <a:t>12/18/2025</a:t>
             </a:fld>
             <a:endParaRPr lang="en-US" dirty="0"/>
           </a:p>
@@ -3839,7 +3839,7 @@
             <a:fld id="{B61BEF0D-F0BB-DE4B-95CE-6DB70DBA9567}" type="datetimeFigureOut">
               <a:rPr lang="en-US" smtClean="0"/>
               <a:pPr/>
-              <a:t>6/6/2024</a:t>
+              <a:t>12/18/2025</a:t>
             </a:fld>
             <a:endParaRPr lang="en-US" dirty="0"/>
           </a:p>
@@ -4214,7 +4214,7 @@
             <a:fld id="{B61BEF0D-F0BB-DE4B-95CE-6DB70DBA9567}" type="datetimeFigureOut">
               <a:rPr lang="en-US" smtClean="0"/>
               <a:pPr/>
-              <a:t>6/6/2024</a:t>
+              <a:t>12/18/2025</a:t>
             </a:fld>
             <a:endParaRPr lang="en-US" dirty="0"/>
           </a:p>
@@ -4334,7 +4334,7 @@
             <a:fld id="{B61BEF0D-F0BB-DE4B-95CE-6DB70DBA9567}" type="datetimeFigureOut">
               <a:rPr lang="en-US" smtClean="0"/>
               <a:pPr/>
-              <a:t>6/6/2024</a:t>
+              <a:t>12/18/2025</a:t>
             </a:fld>
             <a:endParaRPr lang="en-US" dirty="0"/>
           </a:p>
@@ -4431,7 +4431,7 @@
             <a:fld id="{B61BEF0D-F0BB-DE4B-95CE-6DB70DBA9567}" type="datetimeFigureOut">
               <a:rPr lang="en-US" smtClean="0"/>
               <a:pPr/>
-              <a:t>6/6/2024</a:t>
+              <a:t>12/18/2025</a:t>
             </a:fld>
             <a:endParaRPr lang="en-US" dirty="0"/>
           </a:p>
@@ -4684,7 +4684,7 @@
             <a:fld id="{B61BEF0D-F0BB-DE4B-95CE-6DB70DBA9567}" type="datetimeFigureOut">
               <a:rPr lang="en-US" smtClean="0"/>
               <a:pPr/>
-              <a:t>6/6/2024</a:t>
+              <a:t>12/18/2025</a:t>
             </a:fld>
             <a:endParaRPr lang="en-US" dirty="0"/>
           </a:p>
@@ -4972,7 +4972,7 @@
             <a:fld id="{B61BEF0D-F0BB-DE4B-95CE-6DB70DBA9567}" type="datetimeFigureOut">
               <a:rPr lang="en-US" smtClean="0"/>
               <a:pPr/>
-              <a:t>6/6/2024</a:t>
+              <a:t>12/18/2025</a:t>
             </a:fld>
             <a:endParaRPr lang="en-US" dirty="0"/>
           </a:p>
@@ -5187,7 +5187,7 @@
             <a:fld id="{B61BEF0D-F0BB-DE4B-95CE-6DB70DBA9567}" type="datetimeFigureOut">
               <a:rPr lang="en-US" smtClean="0"/>
               <a:pPr/>
-              <a:t>6/6/2024</a:t>
+              <a:t>12/18/2025</a:t>
             </a:fld>
             <a:endParaRPr lang="en-US" dirty="0"/>
           </a:p>
@@ -5824,11 +5824,7 @@
             </a:br>
             <a:r>
               <a:rPr lang="en-US" sz="2600" b="1" dirty="0"/>
-              <a:t>Presented by:</a:t>
-            </a:r>
-            <a:r>
-              <a:rPr lang="en-US" sz="2600" dirty="0"/>
-              <a:t> Devanshi Jignesh Bhatt</a:t>
+              <a:t>Presented by: Sagun Tewari</a:t>
             </a:r>
             <a:endParaRPr lang="en-IN" sz="2600" dirty="0"/>
           </a:p>
@@ -6960,34 +6956,6 @@
               <a:t>Focus on high-volume topics like Streaming and Contract issues.</a:t>
             </a:r>
           </a:p>
-          <a:p>
-            <a:r>
-              <a:rPr lang="en-US" dirty="0"/>
-              <a:t>Recommendations for next steps:</a:t>
-            </a:r>
-          </a:p>
-          <a:p>
-            <a:pPr lvl="1"/>
-            <a:r>
-              <a:rPr lang="en-US" dirty="0"/>
-              <a:t>Implement regular training programs.</a:t>
-            </a:r>
-          </a:p>
-          <a:p>
-            <a:pPr lvl="1"/>
-            <a:r>
-              <a:rPr lang="en-US" dirty="0"/>
-              <a:t>Monitor and adjust staffing levels based on call volume trends.</a:t>
-            </a:r>
-          </a:p>
-          <a:p>
-            <a:pPr lvl="1"/>
-            <a:r>
-              <a:rPr lang="en-US" dirty="0"/>
-              <a:t>Develop specialized resources for common issue areas.</a:t>
-            </a:r>
-            <a:endParaRPr lang="en-IN" dirty="0"/>
-          </a:p>
         </p:txBody>
       </p:sp>
     </p:spTree>
@@ -7134,7 +7102,7 @@
           <a:p>
             <a:r>
               <a:rPr lang="en-IN" dirty="0"/>
-              <a:t>The given project is one of the tasks in Forage PWC Job Simulation which asks us to analyse Call-Centre data and draw some insights from it.</a:t>
+              <a:t>The given project is   to analyse Call-Centre data and draw some insights from it.</a:t>
             </a:r>
           </a:p>
           <a:p>
